--- a/companies/Bosch/honours_presentation/honours.pptx
+++ b/companies/Bosch/honours_presentation/honours.pptx
@@ -111,6 +111,11 @@
       </a:defRPr>
     </a:lvl9pPr>
   </p:defaultTextStyle>
+  <p:extLst>
+    <p:ext uri="{EFAFB233-063F-42B5-8137-9DF3F51BA10A}">
+      <p15:sldGuideLst xmlns:p15="http://schemas.microsoft.com/office/powerpoint/2012/main"/>
+    </p:ext>
+  </p:extLst>
 </p:presentation>
 </file>
 
@@ -196,7 +201,7 @@
           <a:p>
             <a:fld id="{AD7805A8-72D7-44AC-95E8-0334E8B66AD1}" type="datetimeFigureOut">
               <a:rPr lang="en-GB" smtClean="0"/>
-              <a:t>07/01/2017</a:t>
+              <a:t>08/01/2017</a:t>
             </a:fld>
             <a:endParaRPr lang="en-GB"/>
           </a:p>
@@ -597,7 +602,6 @@
               <a:rPr lang="en-GB"/>
               <a:t>18/01/2017</a:t>
             </a:r>
-            <a:endParaRPr lang="en-GB"/>
           </a:p>
         </p:txBody>
       </p:sp>
@@ -767,7 +771,6 @@
               <a:rPr lang="en-GB"/>
               <a:t>18/01/2017</a:t>
             </a:r>
-            <a:endParaRPr lang="en-GB"/>
           </a:p>
         </p:txBody>
       </p:sp>
@@ -947,7 +950,6 @@
               <a:rPr lang="en-GB"/>
               <a:t>18/01/2017</a:t>
             </a:r>
-            <a:endParaRPr lang="en-GB"/>
           </a:p>
         </p:txBody>
       </p:sp>
@@ -1117,7 +1119,6 @@
               <a:rPr lang="en-GB"/>
               <a:t>18/01/2017</a:t>
             </a:r>
-            <a:endParaRPr lang="en-GB"/>
           </a:p>
         </p:txBody>
       </p:sp>
@@ -1363,7 +1364,6 @@
               <a:rPr lang="en-GB"/>
               <a:t>18/01/2017</a:t>
             </a:r>
-            <a:endParaRPr lang="en-GB"/>
           </a:p>
         </p:txBody>
       </p:sp>
@@ -1595,7 +1595,6 @@
               <a:rPr lang="en-GB"/>
               <a:t>18/01/2017</a:t>
             </a:r>
-            <a:endParaRPr lang="en-GB"/>
           </a:p>
         </p:txBody>
       </p:sp>
@@ -1962,7 +1961,6 @@
               <a:rPr lang="en-GB"/>
               <a:t>18/01/2017</a:t>
             </a:r>
-            <a:endParaRPr lang="en-GB"/>
           </a:p>
         </p:txBody>
       </p:sp>
@@ -2080,7 +2078,6 @@
               <a:rPr lang="en-GB"/>
               <a:t>18/01/2017</a:t>
             </a:r>
-            <a:endParaRPr lang="en-GB"/>
           </a:p>
         </p:txBody>
       </p:sp>
@@ -2175,7 +2172,6 @@
               <a:rPr lang="en-GB"/>
               <a:t>18/01/2017</a:t>
             </a:r>
-            <a:endParaRPr lang="en-GB"/>
           </a:p>
         </p:txBody>
       </p:sp>
@@ -2452,7 +2448,6 @@
               <a:rPr lang="en-GB"/>
               <a:t>18/01/2017</a:t>
             </a:r>
-            <a:endParaRPr lang="en-GB"/>
           </a:p>
         </p:txBody>
       </p:sp>
@@ -2705,7 +2700,6 @@
               <a:rPr lang="en-GB"/>
               <a:t>18/01/2017</a:t>
             </a:r>
-            <a:endParaRPr lang="en-GB"/>
           </a:p>
         </p:txBody>
       </p:sp>
@@ -2918,7 +2912,6 @@
               <a:rPr lang="en-GB"/>
               <a:t>18/01/2017</a:t>
             </a:r>
-            <a:endParaRPr lang="en-GB"/>
           </a:p>
         </p:txBody>
       </p:sp>
@@ -3375,7 +3368,9 @@
         </p:nvSpPr>
         <p:spPr/>
         <p:txBody>
-          <a:bodyPr/>
+          <a:bodyPr>
+            <a:normAutofit fontScale="90000"/>
+          </a:bodyPr>
           <a:lstStyle/>
           <a:p>
             <a:r>
@@ -3383,29 +3378,38 @@
                 <a:latin typeface="Arial" panose="020B0604020202020204" pitchFamily="34" charset="0"/>
                 <a:cs typeface="Arial" panose="020B0604020202020204" pitchFamily="34" charset="0"/>
               </a:rPr>
+              <a:t>Calculation of Mountain Bike Suspension Setup using Image Analysis</a:t>
+            </a:r>
+          </a:p>
+        </p:txBody>
+      </p:sp>
+      <p:sp>
+        <p:nvSpPr>
+          <p:cNvPr id="3" name="Subtitle 2"/>
+          <p:cNvSpPr>
+            <a:spLocks noGrp="1"/>
+          </p:cNvSpPr>
+          <p:nvPr>
+            <p:ph type="subTitle" idx="1"/>
+          </p:nvPr>
+        </p:nvSpPr>
+        <p:spPr/>
+        <p:txBody>
+          <a:bodyPr/>
+          <a:lstStyle/>
+          <a:p>
+            <a:endParaRPr lang="en-GB"/>
+          </a:p>
+          <a:p>
+            <a:r>
+              <a:rPr lang="en-GB"/>
+              <a:t>Joe Barrett</a:t>
+            </a:r>
+          </a:p>
+          <a:p>
+            <a:r>
+              <a:rPr lang="en-GB" dirty="0"/>
               <a:t>Honours Project 2016/17</a:t>
-            </a:r>
-          </a:p>
-        </p:txBody>
-      </p:sp>
-      <p:sp>
-        <p:nvSpPr>
-          <p:cNvPr id="3" name="Subtitle 2"/>
-          <p:cNvSpPr>
-            <a:spLocks noGrp="1"/>
-          </p:cNvSpPr>
-          <p:nvPr>
-            <p:ph type="subTitle" idx="1"/>
-          </p:nvPr>
-        </p:nvSpPr>
-        <p:spPr/>
-        <p:txBody>
-          <a:bodyPr/>
-          <a:lstStyle/>
-          <a:p>
-            <a:r>
-              <a:rPr lang="en-GB" dirty="0"/>
-              <a:t>Joe Barrett</a:t>
             </a:r>
           </a:p>
         </p:txBody>
@@ -3429,7 +3433,6 @@
               <a:rPr lang="en-GB"/>
               <a:t>18/01/2017</a:t>
             </a:r>
-            <a:endParaRPr lang="en-GB"/>
           </a:p>
         </p:txBody>
       </p:sp>
@@ -3538,7 +3541,6 @@
               <a:rPr lang="en-GB"/>
               <a:t>18/01/2017</a:t>
             </a:r>
-            <a:endParaRPr lang="en-GB"/>
           </a:p>
         </p:txBody>
       </p:sp>
@@ -3653,7 +3655,6 @@
               <a:rPr lang="en-GB"/>
               <a:t>18/01/2017</a:t>
             </a:r>
-            <a:endParaRPr lang="en-GB"/>
           </a:p>
         </p:txBody>
       </p:sp>
@@ -3771,7 +3772,6 @@
               <a:rPr lang="en-GB"/>
               <a:t>18/01/2017</a:t>
             </a:r>
-            <a:endParaRPr lang="en-GB"/>
           </a:p>
         </p:txBody>
       </p:sp>
@@ -3886,7 +3886,6 @@
               <a:rPr lang="en-GB"/>
               <a:t>18/01/2017</a:t>
             </a:r>
-            <a:endParaRPr lang="en-GB"/>
           </a:p>
         </p:txBody>
       </p:sp>

--- a/companies/Bosch/honours_presentation/honours.pptx
+++ b/companies/Bosch/honours_presentation/honours.pptx
@@ -201,7 +201,7 @@
           <a:p>
             <a:fld id="{AD7805A8-72D7-44AC-95E8-0334E8B66AD1}" type="datetimeFigureOut">
               <a:rPr lang="en-GB" smtClean="0"/>
-              <a:t>08/01/2017</a:t>
+              <a:t>11/01/2017</a:t>
             </a:fld>
             <a:endParaRPr lang="en-GB"/>
           </a:p>
@@ -3495,33 +3495,73 @@
             <a:spLocks noGrp="1"/>
           </p:cNvSpPr>
           <p:nvPr>
-            <p:ph idx="1"/>
-          </p:nvPr>
-        </p:nvSpPr>
-        <p:spPr/>
+            <p:ph sz="half" idx="1"/>
+          </p:nvPr>
+        </p:nvSpPr>
+        <p:spPr>
+          <a:xfrm>
+            <a:off x="838200" y="1825625"/>
+            <a:ext cx="6521388" cy="4351338"/>
+          </a:xfrm>
+        </p:spPr>
         <p:txBody>
           <a:bodyPr/>
           <a:lstStyle/>
           <a:p>
             <a:r>
               <a:rPr lang="en-GB" dirty="0"/>
-              <a:t>Mountain bike suspension must be set for each rider</a:t>
+              <a:t>Suspension settings must be set for each rider</a:t>
             </a:r>
           </a:p>
           <a:p>
             <a:r>
               <a:rPr lang="en-GB" dirty="0"/>
-              <a:t>Knowledge required to set up suspension</a:t>
+              <a:t>Wrong setup can cause issues</a:t>
             </a:r>
           </a:p>
           <a:p>
             <a:r>
               <a:rPr lang="en-GB" dirty="0"/>
-              <a:t>Bike shops can’t provide full service</a:t>
-            </a:r>
-          </a:p>
-        </p:txBody>
-      </p:sp>
+              <a:t>Knowledge required to calculate settings</a:t>
+            </a:r>
+          </a:p>
+          <a:p>
+            <a:r>
+              <a:rPr lang="en-GB" dirty="0"/>
+              <a:t>Bike shops can’t provide the service required</a:t>
+            </a:r>
+          </a:p>
+        </p:txBody>
+      </p:sp>
+      <p:pic>
+        <p:nvPicPr>
+          <p:cNvPr id="6" name="Content Placeholder 5"/>
+          <p:cNvPicPr>
+            <a:picLocks noGrp="1" noChangeAspect="1"/>
+          </p:cNvPicPr>
+          <p:nvPr>
+            <p:ph sz="half" idx="2"/>
+          </p:nvPr>
+        </p:nvPicPr>
+        <p:blipFill>
+          <a:blip r:embed="rId2">
+            <a:extLst>
+              <a:ext uri="{28A0092B-C50C-407E-A947-70E740481C1C}">
+                <a14:useLocalDpi xmlns:a14="http://schemas.microsoft.com/office/drawing/2010/main" val="0"/>
+              </a:ext>
+            </a:extLst>
+          </a:blip>
+          <a:stretch>
+            <a:fillRect/>
+          </a:stretch>
+        </p:blipFill>
+        <p:spPr>
+          <a:xfrm>
+            <a:off x="7359588" y="1825626"/>
+            <a:ext cx="3994212" cy="2240752"/>
+          </a:xfrm>
+        </p:spPr>
+      </p:pic>
       <p:sp>
         <p:nvSpPr>
           <p:cNvPr id="4" name="Date Placeholder 3"/>
@@ -3608,12 +3648,20 @@
         </p:nvSpPr>
         <p:spPr/>
         <p:txBody>
-          <a:bodyPr/>
+          <a:bodyPr>
+            <a:normAutofit/>
+          </a:bodyPr>
           <a:lstStyle/>
           <a:p>
             <a:r>
               <a:rPr lang="en-GB" dirty="0"/>
-              <a:t>Use image analysis to calculate settings</a:t>
+              <a:t>Focus on rear suspension</a:t>
+            </a:r>
+          </a:p>
+          <a:p>
+            <a:r>
+              <a:rPr lang="en-GB" dirty="0"/>
+              <a:t>Use image analysis to calculate sag setting</a:t>
             </a:r>
           </a:p>
           <a:p>
@@ -3631,7 +3679,28 @@
           <a:p>
             <a:r>
               <a:rPr lang="en-GB" dirty="0"/>
-              <a:t>Will use thresholding and BLOB detection</a:t>
+              <a:t>Will use various image analysis techniques</a:t>
+            </a:r>
+          </a:p>
+          <a:p>
+            <a:pPr lvl="1"/>
+            <a:r>
+              <a:rPr lang="en-GB" dirty="0"/>
+              <a:t>Thresholding</a:t>
+            </a:r>
+          </a:p>
+          <a:p>
+            <a:pPr lvl="1"/>
+            <a:r>
+              <a:rPr lang="en-GB" dirty="0"/>
+              <a:t>BLOB detection</a:t>
+            </a:r>
+          </a:p>
+          <a:p>
+            <a:pPr lvl="1"/>
+            <a:r>
+              <a:rPr lang="en-GB" dirty="0"/>
+              <a:t>Measurements from image</a:t>
             </a:r>
           </a:p>
         </p:txBody>
@@ -3732,8 +3801,12 @@
           </a:p>
           <a:p>
             <a:r>
+              <a:rPr lang="en-GB" dirty="0" err="1"/>
+              <a:t>OpenCV</a:t>
+            </a:r>
+            <a:r>
               <a:rPr lang="en-GB" dirty="0"/>
-              <a:t>Provide one or more images of bike/parts</a:t>
+              <a:t> library</a:t>
             </a:r>
           </a:p>
           <a:p>
@@ -3743,9 +3816,37 @@
             </a:r>
           </a:p>
           <a:p>
+            <a:pPr lvl="1"/>
             <a:r>
               <a:rPr lang="en-GB" dirty="0"/>
-              <a:t>GIT for source control</a:t>
+              <a:t>Requirements analysis</a:t>
+            </a:r>
+          </a:p>
+          <a:p>
+            <a:pPr lvl="1"/>
+            <a:r>
+              <a:rPr lang="en-GB" dirty="0"/>
+              <a:t>MoSCoW prioritisation</a:t>
+            </a:r>
+          </a:p>
+          <a:p>
+            <a:pPr lvl="1"/>
+            <a:r>
+              <a:rPr lang="en-GB" dirty="0"/>
+              <a:t>Sprints</a:t>
+            </a:r>
+          </a:p>
+          <a:p>
+            <a:r>
+              <a:rPr lang="en-GB" dirty="0"/>
+              <a:t>Git source control</a:t>
+            </a:r>
+          </a:p>
+          <a:p>
+            <a:pPr lvl="1"/>
+            <a:r>
+              <a:rPr lang="en-GB" dirty="0"/>
+              <a:t>Provides issue tracking</a:t>
             </a:r>
           </a:p>
           <a:p>
@@ -3850,19 +3951,23 @@
           <a:p>
             <a:r>
               <a:rPr lang="en-GB" dirty="0"/>
+              <a:t>Provide data about rider</a:t>
+            </a:r>
+          </a:p>
+          <a:p>
+            <a:r>
+              <a:rPr lang="en-GB" dirty="0"/>
               <a:t>Produces sag setting</a:t>
             </a:r>
           </a:p>
           <a:p>
             <a:r>
+              <a:rPr lang="en-GB"/>
+              <a:t>Will </a:t>
+            </a:r>
+            <a:r>
               <a:rPr lang="en-GB" dirty="0"/>
-              <a:t>May produce curve for frame</a:t>
-            </a:r>
-          </a:p>
-          <a:p>
-            <a:r>
-              <a:rPr lang="en-GB" dirty="0"/>
-              <a:t>Will cover conversion to mobile app</a:t>
+              <a:t>cover conversion to mobile app</a:t>
             </a:r>
           </a:p>
         </p:txBody>
